--- a/Data_Analytics_2018/PPT/Lesson 21 - Data Analytics - Sentiment Modeling.pptx
+++ b/Data_Analytics_2018/PPT/Lesson 21 - Data Analytics - Sentiment Modeling.pptx
@@ -2,7 +2,7 @@
 <file path=ppt/presentation.xml><?xml version="1.0" encoding="utf-8"?>
 <p:presentation xmlns:a="http://schemas.openxmlformats.org/drawingml/2006/main" xmlns:r="http://schemas.openxmlformats.org/officeDocument/2006/relationships" xmlns:p="http://schemas.openxmlformats.org/presentationml/2006/main" showSpecialPlsOnTitleSld="0" saveSubsetFonts="1">
   <p:sldMasterIdLst>
-    <p:sldMasterId id="2147483661" r:id="rId1"/>
+    <p:sldMasterId id="2147483674" r:id="rId1"/>
   </p:sldMasterIdLst>
   <p:notesMasterIdLst>
     <p:notesMasterId r:id="rId28"/>
@@ -228,7 +228,7 @@
           <a:p>
             <a:fld id="{12E2E0BF-1E19-48CE-A5B4-11AA1325EE0B}" type="datetimeFigureOut">
               <a:rPr lang="en-US" smtClean="0"/>
-              <a:t>8/1/2018</a:t>
+              <a:t>8/11/2018</a:t>
             </a:fld>
             <a:endParaRPr lang="en-US" dirty="0"/>
           </a:p>
@@ -393,7 +393,7 @@
           <a:p>
             <a:fld id="{B3E6BC81-1184-4954-A4F1-6E56C89D84BE}" type="datetimeFigureOut">
               <a:rPr lang="en-US" smtClean="0"/>
-              <a:t>8/1/2018</a:t>
+              <a:t>8/11/2018</a:t>
             </a:fld>
             <a:endParaRPr lang="en-US" dirty="0"/>
           </a:p>
@@ -793,7 +793,7 @@
         </p:nvSpPr>
         <p:spPr>
           <a:xfrm>
-            <a:off x="152400" y="6443433"/>
+            <a:off x="152400" y="6485768"/>
             <a:ext cx="2743200" cy="365125"/>
           </a:xfrm>
         </p:spPr>
@@ -803,7 +803,7 @@
           <a:p>
             <a:fld id="{A24D462D-0ABF-4F66-AA29-FCADD808DF8B}" type="datetime1">
               <a:rPr lang="en-US" smtClean="0"/>
-              <a:t>8/1/2018</a:t>
+              <a:t>8/11/2018</a:t>
             </a:fld>
             <a:endParaRPr lang="en-US" dirty="0"/>
           </a:p>
@@ -821,7 +821,7 @@
         </p:nvSpPr>
         <p:spPr>
           <a:xfrm>
-            <a:off x="4038600" y="6443434"/>
+            <a:off x="4038600" y="6485769"/>
             <a:ext cx="4114800" cy="365125"/>
           </a:xfrm>
         </p:spPr>
@@ -849,7 +849,7 @@
         </p:nvSpPr>
         <p:spPr>
           <a:xfrm>
-            <a:off x="9361714" y="6443432"/>
+            <a:off x="9361714" y="6485767"/>
             <a:ext cx="2743200" cy="365125"/>
           </a:xfrm>
         </p:spPr>
@@ -868,7 +868,7 @@
     </p:spTree>
     <p:extLst>
       <p:ext uri="{BB962C8B-B14F-4D97-AF65-F5344CB8AC3E}">
-        <p14:creationId xmlns:p14="http://schemas.microsoft.com/office/powerpoint/2010/main" val="1433759336"/>
+        <p14:creationId xmlns:p14="http://schemas.microsoft.com/office/powerpoint/2010/main" val="362028192"/>
       </p:ext>
     </p:extLst>
   </p:cSld>
@@ -1073,7 +1073,7 @@
           <a:p>
             <a:fld id="{E07E8265-18F4-4680-A16E-90ED1CF19BF4}" type="datetime1">
               <a:rPr lang="en-US" smtClean="0"/>
-              <a:t>8/1/2018</a:t>
+              <a:t>8/11/2018</a:t>
             </a:fld>
             <a:endParaRPr lang="en-US" dirty="0"/>
           </a:p>
@@ -1128,7 +1128,7 @@
     </p:spTree>
     <p:extLst>
       <p:ext uri="{BB962C8B-B14F-4D97-AF65-F5344CB8AC3E}">
-        <p14:creationId xmlns:p14="http://schemas.microsoft.com/office/powerpoint/2010/main" val="1429035351"/>
+        <p14:creationId xmlns:p14="http://schemas.microsoft.com/office/powerpoint/2010/main" val="2772312216"/>
       </p:ext>
     </p:extLst>
   </p:cSld>
@@ -1250,7 +1250,7 @@
           <a:p>
             <a:fld id="{50A3F95B-AA19-4AF1-8E3F-0C1F80E644D7}" type="datetime1">
               <a:rPr lang="en-US" smtClean="0"/>
-              <a:t>8/1/2018</a:t>
+              <a:t>8/11/2018</a:t>
             </a:fld>
             <a:endParaRPr lang="en-US" dirty="0"/>
           </a:p>
@@ -1305,7 +1305,7 @@
     </p:spTree>
     <p:extLst>
       <p:ext uri="{BB962C8B-B14F-4D97-AF65-F5344CB8AC3E}">
-        <p14:creationId xmlns:p14="http://schemas.microsoft.com/office/powerpoint/2010/main" val="3745177295"/>
+        <p14:creationId xmlns:p14="http://schemas.microsoft.com/office/powerpoint/2010/main" val="3834343631"/>
       </p:ext>
     </p:extLst>
   </p:cSld>
@@ -1432,7 +1432,7 @@
           <a:p>
             <a:fld id="{CCDBCEF4-92B1-4F4B-B523-BAFBFD103FD6}" type="datetime1">
               <a:rPr lang="en-US" smtClean="0"/>
-              <a:t>8/1/2018</a:t>
+              <a:t>8/11/2018</a:t>
             </a:fld>
             <a:endParaRPr lang="en-US" dirty="0"/>
           </a:p>
@@ -1487,7 +1487,7 @@
     </p:spTree>
     <p:extLst>
       <p:ext uri="{BB962C8B-B14F-4D97-AF65-F5344CB8AC3E}">
-        <p14:creationId xmlns:p14="http://schemas.microsoft.com/office/powerpoint/2010/main" val="3070826783"/>
+        <p14:creationId xmlns:p14="http://schemas.microsoft.com/office/powerpoint/2010/main" val="1614274018"/>
       </p:ext>
     </p:extLst>
   </p:cSld>
@@ -1658,7 +1658,7 @@
             <a:fld id="{13570084-B57A-493D-8A30-572F2D9F55F8}" type="datetime1">
               <a:rPr lang="en-US" smtClean="0"/>
               <a:pPr/>
-              <a:t>8/1/2018</a:t>
+              <a:t>8/11/2018</a:t>
             </a:fld>
             <a:endParaRPr lang="en-US" dirty="0"/>
           </a:p>
@@ -1738,7 +1738,7 @@
     </p:spTree>
     <p:extLst>
       <p:ext uri="{BB962C8B-B14F-4D97-AF65-F5344CB8AC3E}">
-        <p14:creationId xmlns:p14="http://schemas.microsoft.com/office/powerpoint/2010/main" val="944565634"/>
+        <p14:creationId xmlns:p14="http://schemas.microsoft.com/office/powerpoint/2010/main" val="3323800062"/>
       </p:ext>
     </p:extLst>
   </p:cSld>
@@ -1864,7 +1864,7 @@
             <a:fld id="{13570084-B57A-493D-8A30-572F2D9F55F8}" type="datetime1">
               <a:rPr lang="en-US" smtClean="0"/>
               <a:pPr/>
-              <a:t>8/1/2018</a:t>
+              <a:t>8/11/2018</a:t>
             </a:fld>
             <a:endParaRPr lang="en-US" dirty="0"/>
           </a:p>
@@ -1944,7 +1944,7 @@
     </p:spTree>
     <p:extLst>
       <p:ext uri="{BB962C8B-B14F-4D97-AF65-F5344CB8AC3E}">
-        <p14:creationId xmlns:p14="http://schemas.microsoft.com/office/powerpoint/2010/main" val="2153559646"/>
+        <p14:creationId xmlns:p14="http://schemas.microsoft.com/office/powerpoint/2010/main" val="1472708232"/>
       </p:ext>
     </p:extLst>
   </p:cSld>
@@ -2143,7 +2143,7 @@
           <a:p>
             <a:fld id="{8F7D0969-017A-4CFD-B470-B6959400D96E}" type="datetime1">
               <a:rPr lang="en-US" smtClean="0"/>
-              <a:t>8/1/2018</a:t>
+              <a:t>8/11/2018</a:t>
             </a:fld>
             <a:endParaRPr lang="en-US" dirty="0"/>
           </a:p>
@@ -2198,7 +2198,7 @@
     </p:spTree>
     <p:extLst>
       <p:ext uri="{BB962C8B-B14F-4D97-AF65-F5344CB8AC3E}">
-        <p14:creationId xmlns:p14="http://schemas.microsoft.com/office/powerpoint/2010/main" val="2669007432"/>
+        <p14:creationId xmlns:p14="http://schemas.microsoft.com/office/powerpoint/2010/main" val="1927045984"/>
       </p:ext>
     </p:extLst>
   </p:cSld>
@@ -2244,6 +2244,7 @@
               <a:rPr lang="en-US"/>
               <a:t>Click to edit Master title style</a:t>
             </a:r>
+            <a:endParaRPr lang="en-US" dirty="0"/>
           </a:p>
         </p:txBody>
       </p:sp>
@@ -2259,8 +2260,8 @@
         </p:nvSpPr>
         <p:spPr>
           <a:xfrm>
-            <a:off x="838200" y="1825625"/>
-            <a:ext cx="5181600" cy="4351338"/>
+            <a:off x="406400" y="1354666"/>
+            <a:ext cx="5613400" cy="5046134"/>
           </a:xfrm>
         </p:spPr>
         <p:txBody>
@@ -2367,8 +2368,8 @@
         </p:nvSpPr>
         <p:spPr>
           <a:xfrm>
-            <a:off x="6172200" y="1825625"/>
-            <a:ext cx="5181600" cy="4351338"/>
+            <a:off x="6172199" y="1354666"/>
+            <a:ext cx="5469467" cy="5046134"/>
           </a:xfrm>
         </p:spPr>
         <p:txBody>
@@ -2408,6 +2409,7 @@
               <a:rPr lang="en-US"/>
               <a:t>Fifth level</a:t>
             </a:r>
+            <a:endParaRPr lang="en-US" dirty="0"/>
           </a:p>
         </p:txBody>
       </p:sp>
@@ -2428,7 +2430,7 @@
           <a:p>
             <a:fld id="{E7244459-F2A5-4FF9-8125-3DD79827DEF5}" type="datetime1">
               <a:rPr lang="en-US" smtClean="0"/>
-              <a:t>8/1/2018</a:t>
+              <a:t>8/11/2018</a:t>
             </a:fld>
             <a:endParaRPr lang="en-US" dirty="0"/>
           </a:p>
@@ -2483,7 +2485,7 @@
     </p:spTree>
     <p:extLst>
       <p:ext uri="{BB962C8B-B14F-4D97-AF65-F5344CB8AC3E}">
-        <p14:creationId xmlns:p14="http://schemas.microsoft.com/office/powerpoint/2010/main" val="3618622259"/>
+        <p14:creationId xmlns:p14="http://schemas.microsoft.com/office/powerpoint/2010/main" val="3565644397"/>
       </p:ext>
     </p:extLst>
   </p:cSld>
@@ -2522,8 +2524,8 @@
         </p:nvSpPr>
         <p:spPr>
           <a:xfrm>
-            <a:off x="839788" y="161926"/>
-            <a:ext cx="8536439" cy="1325563"/>
+            <a:off x="381000" y="5555"/>
+            <a:ext cx="10151533" cy="1325563"/>
           </a:xfrm>
         </p:spPr>
         <p:txBody>
@@ -2544,17 +2546,17 @@
             <a:spLocks noGrp="1"/>
           </p:cNvSpPr>
           <p:nvPr>
-            <p:ph type="body" idx="1"/>
+            <p:ph type="body" idx="1" hasCustomPrompt="1"/>
           </p:nvPr>
         </p:nvSpPr>
         <p:spPr>
           <a:xfrm>
-            <a:off x="839788" y="1681163"/>
-            <a:ext cx="5157787" cy="823912"/>
+            <a:off x="381000" y="1444096"/>
+            <a:ext cx="5616575" cy="823912"/>
           </a:xfrm>
         </p:spPr>
         <p:txBody>
-          <a:bodyPr anchor="b"/>
+          <a:bodyPr anchor="ctr"/>
           <a:lstStyle>
             <a:lvl1pPr marL="0" indent="0">
               <a:buNone/>
@@ -2596,86 +2598,86 @@
           <a:p>
             <a:pPr lvl="0"/>
             <a:r>
+              <a:rPr lang="en-US" dirty="0"/>
+              <a:t>Click to edit Master text styles</a:t>
+            </a:r>
+          </a:p>
+        </p:txBody>
+      </p:sp>
+      <p:sp>
+        <p:nvSpPr>
+          <p:cNvPr id="4" name="Content Placeholder 3"/>
+          <p:cNvSpPr>
+            <a:spLocks noGrp="1"/>
+          </p:cNvSpPr>
+          <p:nvPr>
+            <p:ph sz="half" idx="2"/>
+          </p:nvPr>
+        </p:nvSpPr>
+        <p:spPr>
+          <a:xfrm>
+            <a:off x="381000" y="2268007"/>
+            <a:ext cx="5616575" cy="4014259"/>
+          </a:xfrm>
+        </p:spPr>
+        <p:txBody>
+          <a:bodyPr/>
+          <a:lstStyle/>
+          <a:p>
+            <a:pPr lvl="0"/>
+            <a:r>
               <a:rPr lang="en-US"/>
               <a:t>Edit Master text styles</a:t>
             </a:r>
           </a:p>
-        </p:txBody>
-      </p:sp>
-      <p:sp>
-        <p:nvSpPr>
-          <p:cNvPr id="4" name="Content Placeholder 3"/>
-          <p:cNvSpPr>
-            <a:spLocks noGrp="1"/>
-          </p:cNvSpPr>
-          <p:nvPr>
-            <p:ph sz="half" idx="2"/>
+          <a:p>
+            <a:pPr lvl="1"/>
+            <a:r>
+              <a:rPr lang="en-US"/>
+              <a:t>Second level</a:t>
+            </a:r>
+          </a:p>
+          <a:p>
+            <a:pPr lvl="2"/>
+            <a:r>
+              <a:rPr lang="en-US"/>
+              <a:t>Third level</a:t>
+            </a:r>
+          </a:p>
+          <a:p>
+            <a:pPr lvl="3"/>
+            <a:r>
+              <a:rPr lang="en-US"/>
+              <a:t>Fourth level</a:t>
+            </a:r>
+          </a:p>
+          <a:p>
+            <a:pPr lvl="4"/>
+            <a:r>
+              <a:rPr lang="en-US"/>
+              <a:t>Fifth level</a:t>
+            </a:r>
+          </a:p>
+        </p:txBody>
+      </p:sp>
+      <p:sp>
+        <p:nvSpPr>
+          <p:cNvPr id="5" name="Text Placeholder 4"/>
+          <p:cNvSpPr>
+            <a:spLocks noGrp="1"/>
+          </p:cNvSpPr>
+          <p:nvPr>
+            <p:ph type="body" sz="quarter" idx="3" hasCustomPrompt="1"/>
           </p:nvPr>
         </p:nvSpPr>
         <p:spPr>
           <a:xfrm>
-            <a:off x="839788" y="2505075"/>
-            <a:ext cx="5157787" cy="3684588"/>
+            <a:off x="6172200" y="1444096"/>
+            <a:ext cx="5638800" cy="823912"/>
           </a:xfrm>
         </p:spPr>
         <p:txBody>
-          <a:bodyPr/>
-          <a:lstStyle/>
-          <a:p>
-            <a:pPr lvl="0"/>
-            <a:r>
-              <a:rPr lang="en-US"/>
-              <a:t>Edit Master text styles</a:t>
-            </a:r>
-          </a:p>
-          <a:p>
-            <a:pPr lvl="1"/>
-            <a:r>
-              <a:rPr lang="en-US"/>
-              <a:t>Second level</a:t>
-            </a:r>
-          </a:p>
-          <a:p>
-            <a:pPr lvl="2"/>
-            <a:r>
-              <a:rPr lang="en-US"/>
-              <a:t>Third level</a:t>
-            </a:r>
-          </a:p>
-          <a:p>
-            <a:pPr lvl="3"/>
-            <a:r>
-              <a:rPr lang="en-US"/>
-              <a:t>Fourth level</a:t>
-            </a:r>
-          </a:p>
-          <a:p>
-            <a:pPr lvl="4"/>
-            <a:r>
-              <a:rPr lang="en-US"/>
-              <a:t>Fifth level</a:t>
-            </a:r>
-          </a:p>
-        </p:txBody>
-      </p:sp>
-      <p:sp>
-        <p:nvSpPr>
-          <p:cNvPr id="5" name="Text Placeholder 4"/>
-          <p:cNvSpPr>
-            <a:spLocks noGrp="1"/>
-          </p:cNvSpPr>
-          <p:nvPr>
-            <p:ph type="body" sz="quarter" idx="3"/>
-          </p:nvPr>
-        </p:nvSpPr>
-        <p:spPr>
-          <a:xfrm>
-            <a:off x="6172200" y="1681163"/>
-            <a:ext cx="5183188" cy="823912"/>
-          </a:xfrm>
-        </p:spPr>
-        <p:txBody>
-          <a:bodyPr anchor="b"/>
+          <a:bodyPr anchor="ctr"/>
           <a:lstStyle>
             <a:lvl1pPr marL="0" indent="0">
               <a:buNone/>
@@ -2717,38 +2719,38 @@
           <a:p>
             <a:pPr lvl="0"/>
             <a:r>
+              <a:rPr lang="en-US" dirty="0"/>
+              <a:t>Click to edit Master text styles</a:t>
+            </a:r>
+          </a:p>
+        </p:txBody>
+      </p:sp>
+      <p:sp>
+        <p:nvSpPr>
+          <p:cNvPr id="6" name="Content Placeholder 5"/>
+          <p:cNvSpPr>
+            <a:spLocks noGrp="1"/>
+          </p:cNvSpPr>
+          <p:nvPr>
+            <p:ph sz="quarter" idx="4"/>
+          </p:nvPr>
+        </p:nvSpPr>
+        <p:spPr>
+          <a:xfrm>
+            <a:off x="6172199" y="2268007"/>
+            <a:ext cx="5616575" cy="4014259"/>
+          </a:xfrm>
+        </p:spPr>
+        <p:txBody>
+          <a:bodyPr/>
+          <a:lstStyle/>
+          <a:p>
+            <a:pPr lvl="0"/>
+            <a:r>
               <a:rPr lang="en-US"/>
               <a:t>Edit Master text styles</a:t>
             </a:r>
           </a:p>
-        </p:txBody>
-      </p:sp>
-      <p:sp>
-        <p:nvSpPr>
-          <p:cNvPr id="6" name="Content Placeholder 5"/>
-          <p:cNvSpPr>
-            <a:spLocks noGrp="1"/>
-          </p:cNvSpPr>
-          <p:nvPr>
-            <p:ph sz="quarter" idx="4"/>
-          </p:nvPr>
-        </p:nvSpPr>
-        <p:spPr>
-          <a:xfrm>
-            <a:off x="6172200" y="2505075"/>
-            <a:ext cx="5183188" cy="3684588"/>
-          </a:xfrm>
-        </p:spPr>
-        <p:txBody>
-          <a:bodyPr/>
-          <a:lstStyle/>
-          <a:p>
-            <a:pPr lvl="0"/>
-            <a:r>
-              <a:rPr lang="en-US"/>
-              <a:t>Edit Master text styles</a:t>
-            </a:r>
-          </a:p>
           <a:p>
             <a:pPr lvl="1"/>
             <a:r>
@@ -2796,7 +2798,7 @@
           <a:p>
             <a:fld id="{B3A53202-F90A-473F-9577-0694CB3DE811}" type="datetime1">
               <a:rPr lang="en-US" smtClean="0"/>
-              <a:t>8/1/2018</a:t>
+              <a:t>8/11/2018</a:t>
             </a:fld>
             <a:endParaRPr lang="en-US" dirty="0"/>
           </a:p>
@@ -2851,7 +2853,7 @@
     </p:spTree>
     <p:extLst>
       <p:ext uri="{BB962C8B-B14F-4D97-AF65-F5344CB8AC3E}">
-        <p14:creationId xmlns:p14="http://schemas.microsoft.com/office/powerpoint/2010/main" val="841282607"/>
+        <p14:creationId xmlns:p14="http://schemas.microsoft.com/office/powerpoint/2010/main" val="1650013238"/>
       </p:ext>
     </p:extLst>
   </p:cSld>
@@ -2931,7 +2933,7 @@
             <a:fld id="{64FA1387-E9BD-4269-B052-15A23CD1D16B}" type="datetime1">
               <a:rPr lang="en-US" smtClean="0"/>
               <a:pPr/>
-              <a:t>8/1/2018</a:t>
+              <a:t>8/11/2018</a:t>
             </a:fld>
             <a:endParaRPr lang="en-US" dirty="0"/>
           </a:p>
@@ -3011,7 +3013,7 @@
     </p:spTree>
     <p:extLst>
       <p:ext uri="{BB962C8B-B14F-4D97-AF65-F5344CB8AC3E}">
-        <p14:creationId xmlns:p14="http://schemas.microsoft.com/office/powerpoint/2010/main" val="2292052035"/>
+        <p14:creationId xmlns:p14="http://schemas.microsoft.com/office/powerpoint/2010/main" val="1755674842"/>
       </p:ext>
     </p:extLst>
   </p:cSld>
@@ -3055,7 +3057,7 @@
           <a:p>
             <a:fld id="{A197E209-8033-4044-BA05-35D0B8A61D52}" type="datetime1">
               <a:rPr lang="en-US" smtClean="0"/>
-              <a:t>8/1/2018</a:t>
+              <a:t>8/11/2018</a:t>
             </a:fld>
             <a:endParaRPr lang="en-US" dirty="0"/>
           </a:p>
@@ -3110,7 +3112,7 @@
     </p:spTree>
     <p:extLst>
       <p:ext uri="{BB962C8B-B14F-4D97-AF65-F5344CB8AC3E}">
-        <p14:creationId xmlns:p14="http://schemas.microsoft.com/office/powerpoint/2010/main" val="3657385553"/>
+        <p14:creationId xmlns:p14="http://schemas.microsoft.com/office/powerpoint/2010/main" val="1930596083"/>
       </p:ext>
     </p:extLst>
   </p:cSld>
@@ -3334,7 +3336,7 @@
           <a:p>
             <a:fld id="{488CFC0E-11F7-458D-9C54-1B7C7C814EDD}" type="datetime1">
               <a:rPr lang="en-US" smtClean="0"/>
-              <a:t>8/1/2018</a:t>
+              <a:t>8/11/2018</a:t>
             </a:fld>
             <a:endParaRPr lang="en-US" dirty="0"/>
           </a:p>
@@ -3389,7 +3391,7 @@
     </p:spTree>
     <p:extLst>
       <p:ext uri="{BB962C8B-B14F-4D97-AF65-F5344CB8AC3E}">
-        <p14:creationId xmlns:p14="http://schemas.microsoft.com/office/powerpoint/2010/main" val="2176440309"/>
+        <p14:creationId xmlns:p14="http://schemas.microsoft.com/office/powerpoint/2010/main" val="290862888"/>
       </p:ext>
     </p:extLst>
   </p:cSld>
@@ -3566,8 +3568,8 @@
         </p:nvSpPr>
         <p:spPr>
           <a:xfrm>
-            <a:off x="406400" y="91440"/>
-            <a:ext cx="11393714" cy="1234123"/>
+            <a:off x="406400" y="6770"/>
+            <a:ext cx="10049933" cy="1234123"/>
           </a:xfrm>
           <a:prstGeom prst="rect">
             <a:avLst/>
@@ -3598,8 +3600,8 @@
         </p:nvSpPr>
         <p:spPr>
           <a:xfrm>
-            <a:off x="406400" y="1489166"/>
-            <a:ext cx="11393714" cy="4687797"/>
+            <a:off x="406400" y="1337187"/>
+            <a:ext cx="11393714" cy="5064803"/>
           </a:xfrm>
           <a:prstGeom prst="rect">
             <a:avLst/>
@@ -3682,7 +3684,7 @@
             <a:fld id="{DA3380A9-99D8-412F-8F98-2C2792A83619}" type="datetime1">
               <a:rPr lang="en-US" smtClean="0"/>
               <a:pPr/>
-              <a:t>8/1/2018</a:t>
+              <a:t>8/11/2018</a:t>
             </a:fld>
             <a:endParaRPr lang="en-US" dirty="0"/>
           </a:p>
@@ -3808,27 +3810,70 @@
           </a:fontRef>
         </p:style>
       </p:cxnSp>
+      <p:pic>
+        <p:nvPicPr>
+          <p:cNvPr id="10" name="Picture 9" descr="A close up of a sign&#10;&#10;Description generated with very high confidence">
+            <a:extLst>
+              <a:ext uri="{FF2B5EF4-FFF2-40B4-BE49-F238E27FC236}">
+                <a16:creationId xmlns:a16="http://schemas.microsoft.com/office/drawing/2014/main" id="{6D9D6532-6138-406D-8115-7BAFD8D73FEB}"/>
+              </a:ext>
+            </a:extLst>
+          </p:cNvPr>
+          <p:cNvPicPr>
+            <a:picLocks noChangeAspect="1"/>
+          </p:cNvPicPr>
+          <p:nvPr/>
+        </p:nvPicPr>
+        <p:blipFill>
+          <a:blip r:embed="rId16">
+            <a:duotone>
+              <a:schemeClr val="bg2">
+                <a:shade val="45000"/>
+                <a:satMod val="135000"/>
+              </a:schemeClr>
+              <a:prstClr val="white"/>
+            </a:duotone>
+            <a:extLst>
+              <a:ext uri="{28A0092B-C50C-407E-A947-70E740481C1C}">
+                <a14:useLocalDpi xmlns:a14="http://schemas.microsoft.com/office/drawing/2010/main" val="0"/>
+              </a:ext>
+            </a:extLst>
+          </a:blip>
+          <a:stretch>
+            <a:fillRect/>
+          </a:stretch>
+        </p:blipFill>
+        <p:spPr>
+          <a:xfrm>
+            <a:off x="10634133" y="96294"/>
+            <a:ext cx="1165981" cy="1229580"/>
+          </a:xfrm>
+          <a:prstGeom prst="rect">
+            <a:avLst/>
+          </a:prstGeom>
+        </p:spPr>
+      </p:pic>
     </p:spTree>
     <p:extLst>
       <p:ext uri="{BB962C8B-B14F-4D97-AF65-F5344CB8AC3E}">
-        <p14:creationId xmlns:p14="http://schemas.microsoft.com/office/powerpoint/2010/main" val="305873350"/>
+        <p14:creationId xmlns:p14="http://schemas.microsoft.com/office/powerpoint/2010/main" val="152722275"/>
       </p:ext>
     </p:extLst>
   </p:cSld>
   <p:clrMap bg1="lt1" tx1="dk1" bg2="lt2" tx2="dk2" accent1="accent1" accent2="accent2" accent3="accent3" accent4="accent4" accent5="accent5" accent6="accent6" hlink="hlink" folHlink="folHlink"/>
   <p:sldLayoutIdLst>
-    <p:sldLayoutId id="2147483662" r:id="rId1"/>
-    <p:sldLayoutId id="2147483663" r:id="rId2"/>
-    <p:sldLayoutId id="2147483664" r:id="rId3"/>
-    <p:sldLayoutId id="2147483665" r:id="rId4"/>
-    <p:sldLayoutId id="2147483666" r:id="rId5"/>
-    <p:sldLayoutId id="2147483667" r:id="rId6"/>
-    <p:sldLayoutId id="2147483668" r:id="rId7"/>
-    <p:sldLayoutId id="2147483669" r:id="rId8"/>
-    <p:sldLayoutId id="2147483670" r:id="rId9"/>
-    <p:sldLayoutId id="2147483671" r:id="rId10"/>
-    <p:sldLayoutId id="2147483672" r:id="rId11"/>
-    <p:sldLayoutId id="2147483673" r:id="rId12"/>
+    <p:sldLayoutId id="2147483675" r:id="rId1"/>
+    <p:sldLayoutId id="2147483676" r:id="rId2"/>
+    <p:sldLayoutId id="2147483677" r:id="rId3"/>
+    <p:sldLayoutId id="2147483678" r:id="rId4"/>
+    <p:sldLayoutId id="2147483679" r:id="rId5"/>
+    <p:sldLayoutId id="2147483680" r:id="rId6"/>
+    <p:sldLayoutId id="2147483681" r:id="rId7"/>
+    <p:sldLayoutId id="2147483682" r:id="rId8"/>
+    <p:sldLayoutId id="2147483683" r:id="rId9"/>
+    <p:sldLayoutId id="2147483684" r:id="rId10"/>
+    <p:sldLayoutId id="2147483685" r:id="rId11"/>
+    <p:sldLayoutId id="2147483686" r:id="rId12"/>
   </p:sldLayoutIdLst>
   <p:hf hdr="0"/>
   <p:txStyles>
@@ -4401,7 +4446,7 @@
         <p:spPr/>
         <p:txBody>
           <a:bodyPr>
-            <a:normAutofit fontScale="55000" lnSpcReduction="20000"/>
+            <a:normAutofit fontScale="70000" lnSpcReduction="20000"/>
           </a:bodyPr>
           <a:lstStyle/>
           <a:p>
@@ -4752,7 +4797,7 @@
           <a:p>
             <a:fld id="{E7244459-F2A5-4FF9-8125-3DD79827DEF5}" type="datetime1">
               <a:rPr lang="en-US" smtClean="0"/>
-              <a:t>8/1/2018</a:t>
+              <a:t>8/11/2018</a:t>
             </a:fld>
             <a:endParaRPr lang="en-US" dirty="0"/>
           </a:p>
@@ -4949,7 +4994,7 @@
         <p:spPr/>
         <p:txBody>
           <a:bodyPr>
-            <a:normAutofit fontScale="55000" lnSpcReduction="20000"/>
+            <a:normAutofit fontScale="70000" lnSpcReduction="20000"/>
           </a:bodyPr>
           <a:lstStyle/>
           <a:p>
@@ -5300,7 +5345,7 @@
           <a:p>
             <a:fld id="{E7244459-F2A5-4FF9-8125-3DD79827DEF5}" type="datetime1">
               <a:rPr lang="en-US" smtClean="0"/>
-              <a:t>8/1/2018</a:t>
+              <a:t>8/11/2018</a:t>
             </a:fld>
             <a:endParaRPr lang="en-US" dirty="0"/>
           </a:p>
@@ -5511,7 +5556,7 @@
         <p:spPr/>
         <p:txBody>
           <a:bodyPr>
-            <a:normAutofit fontScale="55000" lnSpcReduction="20000"/>
+            <a:normAutofit fontScale="70000" lnSpcReduction="20000"/>
           </a:bodyPr>
           <a:lstStyle/>
           <a:p>
@@ -5848,7 +5893,7 @@
           <a:p>
             <a:fld id="{E7244459-F2A5-4FF9-8125-3DD79827DEF5}" type="datetime1">
               <a:rPr lang="en-US" smtClean="0"/>
-              <a:t>8/1/2018</a:t>
+              <a:t>8/11/2018</a:t>
             </a:fld>
             <a:endParaRPr lang="en-US" dirty="0"/>
           </a:p>
@@ -6063,7 +6108,7 @@
           <a:p>
             <a:fld id="{13570084-B57A-493D-8A30-572F2D9F55F8}" type="datetime1">
               <a:rPr lang="en-US" smtClean="0"/>
-              <a:t>8/1/2018</a:t>
+              <a:t>8/11/2018</a:t>
             </a:fld>
             <a:endParaRPr lang="en-US" dirty="0"/>
           </a:p>
@@ -6207,7 +6252,7 @@
         <p:spPr/>
         <p:txBody>
           <a:bodyPr>
-            <a:normAutofit fontScale="77500" lnSpcReduction="20000"/>
+            <a:normAutofit fontScale="92500" lnSpcReduction="20000"/>
           </a:bodyPr>
           <a:lstStyle/>
           <a:p>
@@ -6298,7 +6343,7 @@
         <p:spPr/>
         <p:txBody>
           <a:bodyPr>
-            <a:normAutofit fontScale="77500" lnSpcReduction="20000"/>
+            <a:normAutofit fontScale="92500" lnSpcReduction="20000"/>
           </a:bodyPr>
           <a:lstStyle/>
           <a:p>
@@ -6689,7 +6734,7 @@
           <a:p>
             <a:fld id="{E7244459-F2A5-4FF9-8125-3DD79827DEF5}" type="datetime1">
               <a:rPr lang="en-US" smtClean="0"/>
-              <a:t>8/1/2018</a:t>
+              <a:t>8/11/2018</a:t>
             </a:fld>
             <a:endParaRPr lang="en-US" dirty="0"/>
           </a:p>
@@ -6830,7 +6875,7 @@
         <p:spPr/>
         <p:txBody>
           <a:bodyPr>
-            <a:normAutofit fontScale="47500" lnSpcReduction="20000"/>
+            <a:normAutofit fontScale="55000" lnSpcReduction="20000"/>
           </a:bodyPr>
           <a:lstStyle/>
           <a:p>
@@ -6968,7 +7013,7 @@
         <p:spPr/>
         <p:txBody>
           <a:bodyPr>
-            <a:normAutofit fontScale="47500" lnSpcReduction="20000"/>
+            <a:normAutofit fontScale="55000" lnSpcReduction="20000"/>
           </a:bodyPr>
           <a:lstStyle/>
           <a:p>
@@ -7146,7 +7191,10 @@
             <a:r>
               <a:rPr lang="en-US" dirty="0">
                 <a:solidFill>
-                  <a:schemeClr val="tx1"/>
+                  <a:schemeClr val="accent4">
+                    <a:lumMod val="40000"/>
+                    <a:lumOff val="60000"/>
+                  </a:schemeClr>
                 </a:solidFill>
                 <a:latin typeface="Lucida Console" panose="020B0609040504020204" pitchFamily="49" charset="0"/>
               </a:rPr>
@@ -7155,7 +7203,10 @@
             <a:r>
               <a:rPr lang="en-US" dirty="0" err="1">
                 <a:solidFill>
-                  <a:schemeClr val="tx1"/>
+                  <a:schemeClr val="accent4">
+                    <a:lumMod val="40000"/>
+                    <a:lumOff val="60000"/>
+                  </a:schemeClr>
                 </a:solidFill>
                 <a:latin typeface="Lucida Console" panose="020B0609040504020204" pitchFamily="49" charset="0"/>
               </a:rPr>
@@ -7164,7 +7215,10 @@
             <a:r>
               <a:rPr lang="en-US" dirty="0">
                 <a:solidFill>
-                  <a:schemeClr val="tx1"/>
+                  <a:schemeClr val="accent4">
+                    <a:lumMod val="40000"/>
+                    <a:lumOff val="60000"/>
+                  </a:schemeClr>
                 </a:solidFill>
                 <a:latin typeface="Lucida Console" panose="020B0609040504020204" pitchFamily="49" charset="0"/>
               </a:rPr>
@@ -7184,7 +7238,10 @@
             <a:r>
               <a:rPr lang="en-US" dirty="0">
                 <a:solidFill>
-                  <a:schemeClr val="tx1"/>
+                  <a:schemeClr val="accent4">
+                    <a:lumMod val="40000"/>
+                    <a:lumOff val="60000"/>
+                  </a:schemeClr>
                 </a:solidFill>
                 <a:latin typeface="Lucida Console" panose="020B0609040504020204" pitchFamily="49" charset="0"/>
               </a:rPr>
@@ -7204,7 +7261,10 @@
             <a:r>
               <a:rPr lang="en-US" dirty="0">
                 <a:solidFill>
-                  <a:schemeClr val="tx1"/>
+                  <a:schemeClr val="accent4">
+                    <a:lumMod val="40000"/>
+                    <a:lumOff val="60000"/>
+                  </a:schemeClr>
                 </a:solidFill>
                 <a:latin typeface="Lucida Console" panose="020B0609040504020204" pitchFamily="49" charset="0"/>
               </a:rPr>
@@ -7213,7 +7273,10 @@
             <a:r>
               <a:rPr lang="en-US" dirty="0" err="1">
                 <a:solidFill>
-                  <a:schemeClr val="tx1"/>
+                  <a:schemeClr val="accent4">
+                    <a:lumMod val="40000"/>
+                    <a:lumOff val="60000"/>
+                  </a:schemeClr>
                 </a:solidFill>
                 <a:latin typeface="Lucida Console" panose="020B0609040504020204" pitchFamily="49" charset="0"/>
               </a:rPr>
@@ -7222,7 +7285,10 @@
             <a:r>
               <a:rPr lang="en-US" dirty="0">
                 <a:solidFill>
-                  <a:schemeClr val="tx1"/>
+                  <a:schemeClr val="accent4">
+                    <a:lumMod val="40000"/>
+                    <a:lumOff val="60000"/>
+                  </a:schemeClr>
                 </a:solidFill>
                 <a:latin typeface="Lucida Console" panose="020B0609040504020204" pitchFamily="49" charset="0"/>
               </a:rPr>
@@ -7231,7 +7297,10 @@
             <a:r>
               <a:rPr lang="en-US" dirty="0" err="1">
                 <a:solidFill>
-                  <a:schemeClr val="tx1"/>
+                  <a:schemeClr val="accent4">
+                    <a:lumMod val="40000"/>
+                    <a:lumOff val="60000"/>
+                  </a:schemeClr>
                 </a:solidFill>
                 <a:latin typeface="Lucida Console" panose="020B0609040504020204" pitchFamily="49" charset="0"/>
               </a:rPr>
@@ -7240,7 +7309,10 @@
             <a:r>
               <a:rPr lang="en-US" dirty="0">
                 <a:solidFill>
-                  <a:schemeClr val="tx1"/>
+                  <a:schemeClr val="accent4">
+                    <a:lumMod val="40000"/>
+                    <a:lumOff val="60000"/>
+                  </a:schemeClr>
                 </a:solidFill>
                 <a:latin typeface="Lucida Console" panose="020B0609040504020204" pitchFamily="49" charset="0"/>
               </a:rPr>
@@ -7260,7 +7332,10 @@
             <a:r>
               <a:rPr lang="en-US" dirty="0">
                 <a:solidFill>
-                  <a:schemeClr val="tx1"/>
+                  <a:schemeClr val="accent4">
+                    <a:lumMod val="40000"/>
+                    <a:lumOff val="60000"/>
+                  </a:schemeClr>
                 </a:solidFill>
                 <a:latin typeface="Lucida Console" panose="020B0609040504020204" pitchFamily="49" charset="0"/>
               </a:rPr>
@@ -7280,7 +7355,10 @@
             <a:r>
               <a:rPr lang="en-US" dirty="0">
                 <a:solidFill>
-                  <a:schemeClr val="tx1"/>
+                  <a:schemeClr val="accent4">
+                    <a:lumMod val="40000"/>
+                    <a:lumOff val="60000"/>
+                  </a:schemeClr>
                 </a:solidFill>
                 <a:latin typeface="Lucida Console" panose="020B0609040504020204" pitchFamily="49" charset="0"/>
               </a:rPr>
@@ -7300,7 +7378,10 @@
             <a:r>
               <a:rPr lang="en-US" dirty="0">
                 <a:solidFill>
-                  <a:schemeClr val="tx1"/>
+                  <a:schemeClr val="accent4">
+                    <a:lumMod val="40000"/>
+                    <a:lumOff val="60000"/>
+                  </a:schemeClr>
                 </a:solidFill>
                 <a:latin typeface="Lucida Console" panose="020B0609040504020204" pitchFamily="49" charset="0"/>
               </a:rPr>
@@ -7320,7 +7401,10 @@
             <a:r>
               <a:rPr lang="en-US" dirty="0">
                 <a:solidFill>
-                  <a:schemeClr val="tx1"/>
+                  <a:schemeClr val="accent4">
+                    <a:lumMod val="40000"/>
+                    <a:lumOff val="60000"/>
+                  </a:schemeClr>
                 </a:solidFill>
                 <a:latin typeface="Lucida Console" panose="020B0609040504020204" pitchFamily="49" charset="0"/>
               </a:rPr>
@@ -7340,7 +7424,10 @@
             <a:r>
               <a:rPr lang="en-US" dirty="0">
                 <a:solidFill>
-                  <a:schemeClr val="tx1"/>
+                  <a:schemeClr val="accent4">
+                    <a:lumMod val="40000"/>
+                    <a:lumOff val="60000"/>
+                  </a:schemeClr>
                 </a:solidFill>
                 <a:latin typeface="Lucida Console" panose="020B0609040504020204" pitchFamily="49" charset="0"/>
               </a:rPr>
@@ -7360,7 +7447,10 @@
             <a:r>
               <a:rPr lang="en-US" dirty="0">
                 <a:solidFill>
-                  <a:schemeClr val="tx1"/>
+                  <a:schemeClr val="accent4">
+                    <a:lumMod val="40000"/>
+                    <a:lumOff val="60000"/>
+                  </a:schemeClr>
                 </a:solidFill>
                 <a:latin typeface="Lucida Console" panose="020B0609040504020204" pitchFamily="49" charset="0"/>
               </a:rPr>
@@ -7380,7 +7470,10 @@
             <a:r>
               <a:rPr lang="en-US" dirty="0">
                 <a:solidFill>
-                  <a:schemeClr val="tx1"/>
+                  <a:schemeClr val="accent4">
+                    <a:lumMod val="40000"/>
+                    <a:lumOff val="60000"/>
+                  </a:schemeClr>
                 </a:solidFill>
                 <a:latin typeface="Lucida Console" panose="020B0609040504020204" pitchFamily="49" charset="0"/>
               </a:rPr>
@@ -7400,7 +7493,10 @@
             <a:r>
               <a:rPr lang="en-US" dirty="0">
                 <a:solidFill>
-                  <a:schemeClr val="tx1"/>
+                  <a:schemeClr val="accent4">
+                    <a:lumMod val="40000"/>
+                    <a:lumOff val="60000"/>
+                  </a:schemeClr>
                 </a:solidFill>
                 <a:latin typeface="Lucida Console" panose="020B0609040504020204" pitchFamily="49" charset="0"/>
               </a:rPr>
@@ -7420,7 +7516,10 @@
             <a:r>
               <a:rPr lang="en-US" dirty="0">
                 <a:solidFill>
-                  <a:schemeClr val="tx1"/>
+                  <a:schemeClr val="accent4">
+                    <a:lumMod val="40000"/>
+                    <a:lumOff val="60000"/>
+                  </a:schemeClr>
                 </a:solidFill>
                 <a:latin typeface="Lucida Console" panose="020B0609040504020204" pitchFamily="49" charset="0"/>
               </a:rPr>
@@ -7440,7 +7539,10 @@
             <a:r>
               <a:rPr lang="en-US" dirty="0">
                 <a:solidFill>
-                  <a:schemeClr val="tx1"/>
+                  <a:schemeClr val="accent4">
+                    <a:lumMod val="40000"/>
+                    <a:lumOff val="60000"/>
+                  </a:schemeClr>
                 </a:solidFill>
                 <a:latin typeface="Lucida Console" panose="020B0609040504020204" pitchFamily="49" charset="0"/>
               </a:rPr>
@@ -7460,7 +7562,10 @@
             <a:r>
               <a:rPr lang="en-US" dirty="0">
                 <a:solidFill>
-                  <a:schemeClr val="tx1"/>
+                  <a:schemeClr val="accent4">
+                    <a:lumMod val="40000"/>
+                    <a:lumOff val="60000"/>
+                  </a:schemeClr>
                 </a:solidFill>
                 <a:latin typeface="Lucida Console" panose="020B0609040504020204" pitchFamily="49" charset="0"/>
               </a:rPr>
@@ -7492,7 +7597,7 @@
           <a:p>
             <a:fld id="{13570084-B57A-493D-8A30-572F2D9F55F8}" type="datetime1">
               <a:rPr lang="en-US" smtClean="0"/>
-              <a:t>8/1/2018</a:t>
+              <a:t>8/11/2018</a:t>
             </a:fld>
             <a:endParaRPr lang="en-US" dirty="0"/>
           </a:p>
@@ -7592,7 +7697,7 @@
             <a:r>
               <a:rPr lang="en-US" spc="15" dirty="0">
                 <a:solidFill>
-                  <a:srgbClr val="0070C0"/>
+                  <a:srgbClr val="69BFFF"/>
                 </a:solidFill>
                 <a:latin typeface="Helvetica" panose="020B0604020202020204" pitchFamily="34" charset="0"/>
                 <a:ea typeface="Times New Roman" panose="02020603050405020304" pitchFamily="18" charset="0"/>
@@ -7601,7 +7706,7 @@
             </a:r>
             <a:endParaRPr lang="en-US" dirty="0">
               <a:solidFill>
-                <a:srgbClr val="0070C0"/>
+                <a:srgbClr val="69BFFF"/>
               </a:solidFill>
             </a:endParaRPr>
           </a:p>
@@ -7771,7 +7876,7 @@
           <a:p>
             <a:fld id="{E7244459-F2A5-4FF9-8125-3DD79827DEF5}" type="datetime1">
               <a:rPr lang="en-US" smtClean="0"/>
-              <a:t>8/1/2018</a:t>
+              <a:t>8/11/2018</a:t>
             </a:fld>
             <a:endParaRPr lang="en-US" dirty="0"/>
           </a:p>
@@ -7912,7 +8017,7 @@
         <p:spPr/>
         <p:txBody>
           <a:bodyPr>
-            <a:normAutofit fontScale="70000" lnSpcReduction="20000"/>
+            <a:normAutofit fontScale="85000" lnSpcReduction="20000"/>
           </a:bodyPr>
           <a:lstStyle/>
           <a:p>
@@ -7969,7 +8074,7 @@
         <p:spPr/>
         <p:txBody>
           <a:bodyPr>
-            <a:normAutofit fontScale="70000" lnSpcReduction="20000"/>
+            <a:normAutofit fontScale="85000" lnSpcReduction="20000"/>
           </a:bodyPr>
           <a:lstStyle/>
           <a:p>
@@ -8160,7 +8265,7 @@
           <a:p>
             <a:fld id="{13570084-B57A-493D-8A30-572F2D9F55F8}" type="datetime1">
               <a:rPr lang="en-US" smtClean="0"/>
-              <a:t>8/1/2018</a:t>
+              <a:t>8/11/2018</a:t>
             </a:fld>
             <a:endParaRPr lang="en-US" dirty="0"/>
           </a:p>
@@ -8570,7 +8675,7 @@
           <a:p>
             <a:fld id="{E7244459-F2A5-4FF9-8125-3DD79827DEF5}" type="datetime1">
               <a:rPr lang="en-US" smtClean="0"/>
-              <a:t>8/1/2018</a:t>
+              <a:t>8/11/2018</a:t>
             </a:fld>
             <a:endParaRPr lang="en-US" dirty="0"/>
           </a:p>
@@ -8722,8 +8827,8 @@
         </p:blipFill>
         <p:spPr bwMode="auto">
           <a:xfrm>
-            <a:off x="1470898" y="1825625"/>
-            <a:ext cx="3916204" cy="4351338"/>
+            <a:off x="942102" y="1354138"/>
+            <a:ext cx="4541995" cy="5046662"/>
           </a:xfrm>
           <a:prstGeom prst="rect">
             <a:avLst/>
@@ -8788,7 +8893,7 @@
           <a:p>
             <a:fld id="{E7244459-F2A5-4FF9-8125-3DD79827DEF5}" type="datetime1">
               <a:rPr lang="en-US" smtClean="0"/>
-              <a:t>8/1/2018</a:t>
+              <a:t>8/11/2018</a:t>
             </a:fld>
             <a:endParaRPr lang="en-US" dirty="0"/>
           </a:p>
@@ -8957,7 +9062,7 @@
         <p:spPr/>
         <p:txBody>
           <a:bodyPr>
-            <a:normAutofit fontScale="77500" lnSpcReduction="20000"/>
+            <a:normAutofit fontScale="92500" lnSpcReduction="20000"/>
           </a:bodyPr>
           <a:lstStyle/>
           <a:p>
@@ -9055,7 +9160,7 @@
         <p:spPr/>
         <p:txBody>
           <a:bodyPr>
-            <a:normAutofit fontScale="77500" lnSpcReduction="20000"/>
+            <a:normAutofit fontScale="92500" lnSpcReduction="20000"/>
           </a:bodyPr>
           <a:lstStyle/>
           <a:p>
@@ -9113,7 +9218,7 @@
           <a:p>
             <a:fld id="{B3A53202-F90A-473F-9577-0694CB3DE811}" type="datetime1">
               <a:rPr lang="en-US" smtClean="0"/>
-              <a:t>8/1/2018</a:t>
+              <a:t>8/11/2018</a:t>
             </a:fld>
             <a:endParaRPr lang="en-US" dirty="0"/>
           </a:p>
@@ -9311,7 +9416,7 @@
           <a:p>
             <a:fld id="{E7244459-F2A5-4FF9-8125-3DD79827DEF5}" type="datetime1">
               <a:rPr lang="en-US" smtClean="0"/>
-              <a:t>8/1/2018</a:t>
+              <a:t>8/11/2018</a:t>
             </a:fld>
             <a:endParaRPr lang="en-US" dirty="0"/>
           </a:p>
@@ -9456,7 +9561,7 @@
         <p:spPr/>
         <p:txBody>
           <a:bodyPr>
-            <a:normAutofit fontScale="55000" lnSpcReduction="20000"/>
+            <a:normAutofit fontScale="62500" lnSpcReduction="20000"/>
           </a:bodyPr>
           <a:lstStyle/>
           <a:p>
@@ -9561,7 +9666,10 @@
             <a:r>
               <a:rPr lang="en-US" dirty="0">
                 <a:solidFill>
-                  <a:schemeClr val="tx1"/>
+                  <a:schemeClr val="accent4">
+                    <a:lumMod val="40000"/>
+                    <a:lumOff val="60000"/>
+                  </a:schemeClr>
                 </a:solidFill>
                 <a:latin typeface="Lucida Console" panose="020B0609040504020204" pitchFamily="49" charset="0"/>
               </a:rPr>
@@ -9570,7 +9678,10 @@
             <a:r>
               <a:rPr lang="en-US" dirty="0" err="1">
                 <a:solidFill>
-                  <a:schemeClr val="tx1"/>
+                  <a:schemeClr val="accent4">
+                    <a:lumMod val="40000"/>
+                    <a:lumOff val="60000"/>
+                  </a:schemeClr>
                 </a:solidFill>
                 <a:latin typeface="Lucida Console" panose="020B0609040504020204" pitchFamily="49" charset="0"/>
               </a:rPr>
@@ -9579,7 +9690,10 @@
             <a:r>
               <a:rPr lang="en-US" dirty="0">
                 <a:solidFill>
-                  <a:schemeClr val="tx1"/>
+                  <a:schemeClr val="accent4">
+                    <a:lumMod val="40000"/>
+                    <a:lumOff val="60000"/>
+                  </a:schemeClr>
                 </a:solidFill>
                 <a:latin typeface="Lucida Console" panose="020B0609040504020204" pitchFamily="49" charset="0"/>
               </a:rPr>
@@ -9599,7 +9713,10 @@
             <a:r>
               <a:rPr lang="en-US" dirty="0">
                 <a:solidFill>
-                  <a:schemeClr val="tx1"/>
+                  <a:schemeClr val="accent4">
+                    <a:lumMod val="40000"/>
+                    <a:lumOff val="60000"/>
+                  </a:schemeClr>
                 </a:solidFill>
                 <a:latin typeface="Lucida Console" panose="020B0609040504020204" pitchFamily="49" charset="0"/>
               </a:rPr>
@@ -9608,7 +9725,10 @@
             <a:r>
               <a:rPr lang="en-US" dirty="0" err="1">
                 <a:solidFill>
-                  <a:schemeClr val="tx1"/>
+                  <a:schemeClr val="accent4">
+                    <a:lumMod val="40000"/>
+                    <a:lumOff val="60000"/>
+                  </a:schemeClr>
                 </a:solidFill>
                 <a:latin typeface="Lucida Console" panose="020B0609040504020204" pitchFamily="49" charset="0"/>
               </a:rPr>
@@ -9617,7 +9737,10 @@
             <a:r>
               <a:rPr lang="en-US" dirty="0">
                 <a:solidFill>
-                  <a:schemeClr val="tx1"/>
+                  <a:schemeClr val="accent4">
+                    <a:lumMod val="40000"/>
+                    <a:lumOff val="60000"/>
+                  </a:schemeClr>
                 </a:solidFill>
                 <a:latin typeface="Lucida Console" panose="020B0609040504020204" pitchFamily="49" charset="0"/>
               </a:rPr>
@@ -9637,7 +9760,10 @@
             <a:r>
               <a:rPr lang="en-US" dirty="0">
                 <a:solidFill>
-                  <a:schemeClr val="tx1"/>
+                  <a:schemeClr val="accent4">
+                    <a:lumMod val="40000"/>
+                    <a:lumOff val="60000"/>
+                  </a:schemeClr>
                 </a:solidFill>
                 <a:latin typeface="Lucida Console" panose="020B0609040504020204" pitchFamily="49" charset="0"/>
               </a:rPr>
@@ -9646,7 +9772,10 @@
             <a:r>
               <a:rPr lang="en-US" dirty="0" err="1">
                 <a:solidFill>
-                  <a:schemeClr val="tx1"/>
+                  <a:schemeClr val="accent4">
+                    <a:lumMod val="40000"/>
+                    <a:lumOff val="60000"/>
+                  </a:schemeClr>
                 </a:solidFill>
                 <a:latin typeface="Lucida Console" panose="020B0609040504020204" pitchFamily="49" charset="0"/>
               </a:rPr>
@@ -9655,7 +9784,10 @@
             <a:r>
               <a:rPr lang="en-US" dirty="0">
                 <a:solidFill>
-                  <a:schemeClr val="tx1"/>
+                  <a:schemeClr val="accent4">
+                    <a:lumMod val="40000"/>
+                    <a:lumOff val="60000"/>
+                  </a:schemeClr>
                 </a:solidFill>
                 <a:latin typeface="Lucida Console" panose="020B0609040504020204" pitchFamily="49" charset="0"/>
               </a:rPr>
@@ -9664,7 +9796,10 @@
             <a:r>
               <a:rPr lang="en-US" dirty="0" err="1">
                 <a:solidFill>
-                  <a:schemeClr val="tx1"/>
+                  <a:schemeClr val="accent4">
+                    <a:lumMod val="40000"/>
+                    <a:lumOff val="60000"/>
+                  </a:schemeClr>
                 </a:solidFill>
                 <a:latin typeface="Lucida Console" panose="020B0609040504020204" pitchFamily="49" charset="0"/>
               </a:rPr>
@@ -9673,7 +9808,10 @@
             <a:r>
               <a:rPr lang="en-US" dirty="0">
                 <a:solidFill>
-                  <a:schemeClr val="tx1"/>
+                  <a:schemeClr val="accent4">
+                    <a:lumMod val="40000"/>
+                    <a:lumOff val="60000"/>
+                  </a:schemeClr>
                 </a:solidFill>
                 <a:latin typeface="Lucida Console" panose="020B0609040504020204" pitchFamily="49" charset="0"/>
               </a:rPr>
@@ -9682,7 +9820,10 @@
             <a:r>
               <a:rPr lang="en-US" dirty="0" err="1">
                 <a:solidFill>
-                  <a:schemeClr val="tx1"/>
+                  <a:schemeClr val="accent4">
+                    <a:lumMod val="40000"/>
+                    <a:lumOff val="60000"/>
+                  </a:schemeClr>
                 </a:solidFill>
                 <a:latin typeface="Lucida Console" panose="020B0609040504020204" pitchFamily="49" charset="0"/>
               </a:rPr>
@@ -9691,7 +9832,10 @@
             <a:r>
               <a:rPr lang="en-US" dirty="0">
                 <a:solidFill>
-                  <a:schemeClr val="tx1"/>
+                  <a:schemeClr val="accent4">
+                    <a:lumMod val="40000"/>
+                    <a:lumOff val="60000"/>
+                  </a:schemeClr>
                 </a:solidFill>
                 <a:latin typeface="Lucida Console" panose="020B0609040504020204" pitchFamily="49" charset="0"/>
               </a:rPr>
@@ -9700,7 +9844,10 @@
             <a:r>
               <a:rPr lang="en-US" dirty="0" err="1">
                 <a:solidFill>
-                  <a:schemeClr val="tx1"/>
+                  <a:schemeClr val="accent4">
+                    <a:lumMod val="40000"/>
+                    <a:lumOff val="60000"/>
+                  </a:schemeClr>
                 </a:solidFill>
                 <a:latin typeface="Lucida Console" panose="020B0609040504020204" pitchFamily="49" charset="0"/>
               </a:rPr>
@@ -9709,7 +9856,10 @@
             <a:r>
               <a:rPr lang="en-US" dirty="0">
                 <a:solidFill>
-                  <a:schemeClr val="tx1"/>
+                  <a:schemeClr val="accent4">
+                    <a:lumMod val="40000"/>
+                    <a:lumOff val="60000"/>
+                  </a:schemeClr>
                 </a:solidFill>
                 <a:latin typeface="Lucida Console" panose="020B0609040504020204" pitchFamily="49" charset="0"/>
               </a:rPr>
@@ -9729,7 +9879,10 @@
             <a:r>
               <a:rPr lang="en-US" dirty="0">
                 <a:solidFill>
-                  <a:schemeClr val="tx1"/>
+                  <a:schemeClr val="accent4">
+                    <a:lumMod val="40000"/>
+                    <a:lumOff val="60000"/>
+                  </a:schemeClr>
                 </a:solidFill>
                 <a:latin typeface="Lucida Console" panose="020B0609040504020204" pitchFamily="49" charset="0"/>
               </a:rPr>
@@ -9749,7 +9902,10 @@
             <a:r>
               <a:rPr lang="en-US" dirty="0">
                 <a:solidFill>
-                  <a:schemeClr val="tx1"/>
+                  <a:schemeClr val="accent4">
+                    <a:lumMod val="40000"/>
+                    <a:lumOff val="60000"/>
+                  </a:schemeClr>
                 </a:solidFill>
                 <a:latin typeface="Lucida Console" panose="020B0609040504020204" pitchFamily="49" charset="0"/>
               </a:rPr>
@@ -9769,7 +9925,10 @@
             <a:r>
               <a:rPr lang="en-US" dirty="0">
                 <a:solidFill>
-                  <a:schemeClr val="tx1"/>
+                  <a:schemeClr val="accent4">
+                    <a:lumMod val="40000"/>
+                    <a:lumOff val="60000"/>
+                  </a:schemeClr>
                 </a:solidFill>
                 <a:latin typeface="Lucida Console" panose="020B0609040504020204" pitchFamily="49" charset="0"/>
               </a:rPr>
@@ -9789,7 +9948,10 @@
             <a:r>
               <a:rPr lang="en-US" dirty="0">
                 <a:solidFill>
-                  <a:schemeClr val="tx1"/>
+                  <a:schemeClr val="accent4">
+                    <a:lumMod val="40000"/>
+                    <a:lumOff val="60000"/>
+                  </a:schemeClr>
                 </a:solidFill>
                 <a:latin typeface="Lucida Console" panose="020B0609040504020204" pitchFamily="49" charset="0"/>
               </a:rPr>
@@ -9809,7 +9971,10 @@
             <a:r>
               <a:rPr lang="en-US" dirty="0">
                 <a:solidFill>
-                  <a:schemeClr val="tx1"/>
+                  <a:schemeClr val="accent4">
+                    <a:lumMod val="40000"/>
+                    <a:lumOff val="60000"/>
+                  </a:schemeClr>
                 </a:solidFill>
                 <a:latin typeface="Lucida Console" panose="020B0609040504020204" pitchFamily="49" charset="0"/>
               </a:rPr>
@@ -9829,7 +9994,10 @@
             <a:r>
               <a:rPr lang="en-US" dirty="0">
                 <a:solidFill>
-                  <a:schemeClr val="tx1"/>
+                  <a:schemeClr val="accent4">
+                    <a:lumMod val="40000"/>
+                    <a:lumOff val="60000"/>
+                  </a:schemeClr>
                 </a:solidFill>
                 <a:latin typeface="Lucida Console" panose="020B0609040504020204" pitchFamily="49" charset="0"/>
               </a:rPr>
@@ -9838,7 +10006,10 @@
             <a:r>
               <a:rPr lang="en-US" dirty="0" err="1">
                 <a:solidFill>
-                  <a:schemeClr val="tx1"/>
+                  <a:schemeClr val="accent4">
+                    <a:lumMod val="40000"/>
+                    <a:lumOff val="60000"/>
+                  </a:schemeClr>
                 </a:solidFill>
                 <a:latin typeface="Lucida Console" panose="020B0609040504020204" pitchFamily="49" charset="0"/>
               </a:rPr>
@@ -9847,7 +10018,10 @@
             <a:r>
               <a:rPr lang="en-US" dirty="0">
                 <a:solidFill>
-                  <a:schemeClr val="tx1"/>
+                  <a:schemeClr val="accent4">
+                    <a:lumMod val="40000"/>
+                    <a:lumOff val="60000"/>
+                  </a:schemeClr>
                 </a:solidFill>
                 <a:latin typeface="Lucida Console" panose="020B0609040504020204" pitchFamily="49" charset="0"/>
               </a:rPr>
@@ -9867,7 +10041,10 @@
             <a:r>
               <a:rPr lang="en-US" dirty="0">
                 <a:solidFill>
-                  <a:schemeClr val="tx1"/>
+                  <a:schemeClr val="accent4">
+                    <a:lumMod val="40000"/>
+                    <a:lumOff val="60000"/>
+                  </a:schemeClr>
                 </a:solidFill>
                 <a:latin typeface="Lucida Console" panose="020B0609040504020204" pitchFamily="49" charset="0"/>
               </a:rPr>
@@ -9887,7 +10064,10 @@
             <a:r>
               <a:rPr lang="en-US" dirty="0">
                 <a:solidFill>
-                  <a:schemeClr val="tx1"/>
+                  <a:schemeClr val="accent4">
+                    <a:lumMod val="40000"/>
+                    <a:lumOff val="60000"/>
+                  </a:schemeClr>
                 </a:solidFill>
                 <a:latin typeface="Lucida Console" panose="020B0609040504020204" pitchFamily="49" charset="0"/>
               </a:rPr>
@@ -9907,7 +10087,10 @@
             <a:r>
               <a:rPr lang="en-US" dirty="0">
                 <a:solidFill>
-                  <a:schemeClr val="tx1"/>
+                  <a:schemeClr val="accent4">
+                    <a:lumMod val="40000"/>
+                    <a:lumOff val="60000"/>
+                  </a:schemeClr>
                 </a:solidFill>
                 <a:latin typeface="Lucida Console" panose="020B0609040504020204" pitchFamily="49" charset="0"/>
               </a:rPr>
@@ -9927,7 +10110,10 @@
             <a:r>
               <a:rPr lang="en-US" dirty="0">
                 <a:solidFill>
-                  <a:schemeClr val="tx1"/>
+                  <a:schemeClr val="accent4">
+                    <a:lumMod val="40000"/>
+                    <a:lumOff val="60000"/>
+                  </a:schemeClr>
                 </a:solidFill>
                 <a:latin typeface="Lucida Console" panose="020B0609040504020204" pitchFamily="49" charset="0"/>
               </a:rPr>
@@ -9947,7 +10133,10 @@
             <a:r>
               <a:rPr lang="en-US" dirty="0">
                 <a:solidFill>
-                  <a:schemeClr val="tx1"/>
+                  <a:schemeClr val="accent4">
+                    <a:lumMod val="40000"/>
+                    <a:lumOff val="60000"/>
+                  </a:schemeClr>
                 </a:solidFill>
                 <a:latin typeface="Lucida Console" panose="020B0609040504020204" pitchFamily="49" charset="0"/>
               </a:rPr>
@@ -9993,7 +10182,7 @@
           <a:p>
             <a:fld id="{13570084-B57A-493D-8A30-572F2D9F55F8}" type="datetime1">
               <a:rPr lang="en-US" smtClean="0"/>
-              <a:t>8/1/2018</a:t>
+              <a:t>8/11/2018</a:t>
             </a:fld>
             <a:endParaRPr lang="en-US" dirty="0"/>
           </a:p>
@@ -10216,7 +10405,7 @@
           <a:p>
             <a:fld id="{13570084-B57A-493D-8A30-572F2D9F55F8}" type="datetime1">
               <a:rPr lang="en-US" smtClean="0"/>
-              <a:t>8/1/2018</a:t>
+              <a:t>8/11/2018</a:t>
             </a:fld>
             <a:endParaRPr lang="en-US" dirty="0"/>
           </a:p>
@@ -10366,7 +10555,7 @@
         <p:spPr/>
         <p:txBody>
           <a:bodyPr>
-            <a:normAutofit fontScale="92500" lnSpcReduction="10000"/>
+            <a:normAutofit lnSpcReduction="10000"/>
           </a:bodyPr>
           <a:lstStyle/>
           <a:p>
@@ -10925,7 +11114,7 @@
           <a:p>
             <a:fld id="{13570084-B57A-493D-8A30-572F2D9F55F8}" type="datetime1">
               <a:rPr lang="en-US" smtClean="0"/>
-              <a:t>8/1/2018</a:t>
+              <a:t>8/11/2018</a:t>
             </a:fld>
             <a:endParaRPr lang="en-US" dirty="0"/>
           </a:p>
@@ -11318,7 +11507,7 @@
           <a:p>
             <a:fld id="{13570084-B57A-493D-8A30-572F2D9F55F8}" type="datetime1">
               <a:rPr lang="en-US" smtClean="0"/>
-              <a:t>8/1/2018</a:t>
+              <a:t>8/11/2018</a:t>
             </a:fld>
             <a:endParaRPr lang="en-US" dirty="0"/>
           </a:p>
@@ -11467,7 +11656,16 @@
           <a:bodyPr/>
           <a:lstStyle/>
           <a:p>
-            <a:endParaRPr lang="en-US" dirty="0"/>
+            <a:r>
+              <a:rPr lang="en-US" dirty="0"/>
+              <a:t>The plot shows positive sentiment (above 0) and negative sentiment (below 0) for three lexicons.</a:t>
+            </a:r>
+          </a:p>
+          <a:p>
+            <a:r>
+              <a:rPr lang="en-US" dirty="0"/>
+              <a:t>The lexicons are for English (United States) and may not be culturally relevant for all analyses.</a:t>
+            </a:r>
           </a:p>
         </p:txBody>
       </p:sp>
@@ -11494,7 +11692,7 @@
           <a:p>
             <a:fld id="{13570084-B57A-493D-8A30-572F2D9F55F8}" type="datetime1">
               <a:rPr lang="en-US" smtClean="0"/>
-              <a:t>8/1/2018</a:t>
+              <a:t>8/11/2018</a:t>
             </a:fld>
             <a:endParaRPr lang="en-US" dirty="0"/>
           </a:p>
@@ -11784,7 +11982,7 @@
             <a:fld id="{13570084-B57A-493D-8A30-572F2D9F55F8}" type="datetime1">
               <a:rPr lang="en-US" smtClean="0"/>
               <a:pPr/>
-              <a:t>8/1/2018</a:t>
+              <a:t>8/11/2018</a:t>
             </a:fld>
             <a:endParaRPr lang="en-US" dirty="0"/>
           </a:p>
@@ -11953,7 +12151,7 @@
         <p:spPr/>
         <p:txBody>
           <a:bodyPr>
-            <a:normAutofit fontScale="70000" lnSpcReduction="20000"/>
+            <a:normAutofit fontScale="77500" lnSpcReduction="20000"/>
           </a:bodyPr>
           <a:lstStyle/>
           <a:p>
@@ -12121,7 +12319,7 @@
         </p:spPr>
         <p:txBody>
           <a:bodyPr>
-            <a:normAutofit/>
+            <a:normAutofit fontScale="77500" lnSpcReduction="20000"/>
           </a:bodyPr>
           <a:lstStyle/>
           <a:p>
@@ -12283,7 +12481,7 @@
           <a:p>
             <a:fld id="{B3A53202-F90A-473F-9577-0694CB3DE811}" type="datetime1">
               <a:rPr lang="en-US" smtClean="0"/>
-              <a:t>8/1/2018</a:t>
+              <a:t>8/11/2018</a:t>
             </a:fld>
             <a:endParaRPr lang="en-US" dirty="0"/>
           </a:p>
@@ -12465,7 +12663,7 @@
         <p:spPr/>
         <p:txBody>
           <a:bodyPr>
-            <a:normAutofit fontScale="92500" lnSpcReduction="20000"/>
+            <a:normAutofit fontScale="92500" lnSpcReduction="10000"/>
           </a:bodyPr>
           <a:lstStyle/>
           <a:p>
@@ -12583,7 +12781,7 @@
         </p:spPr>
         <p:txBody>
           <a:bodyPr>
-            <a:normAutofit/>
+            <a:normAutofit fontScale="92500" lnSpcReduction="10000"/>
           </a:bodyPr>
           <a:lstStyle/>
           <a:p>
@@ -12835,7 +13033,7 @@
           <a:p>
             <a:fld id="{B3A53202-F90A-473F-9577-0694CB3DE811}" type="datetime1">
               <a:rPr lang="en-US" smtClean="0"/>
-              <a:t>8/1/2018</a:t>
+              <a:t>8/11/2018</a:t>
             </a:fld>
             <a:endParaRPr lang="en-US" dirty="0"/>
           </a:p>
@@ -13232,7 +13430,7 @@
           <a:p>
             <a:fld id="{B3A53202-F90A-473F-9577-0694CB3DE811}" type="datetime1">
               <a:rPr lang="en-US" smtClean="0"/>
-              <a:t>8/1/2018</a:t>
+              <a:t>8/11/2018</a:t>
             </a:fld>
             <a:endParaRPr lang="en-US" dirty="0"/>
           </a:p>
@@ -13562,7 +13760,7 @@
           <a:p>
             <a:fld id="{B3A53202-F90A-473F-9577-0694CB3DE811}" type="datetime1">
               <a:rPr lang="en-US" smtClean="0"/>
-              <a:t>8/1/2018</a:t>
+              <a:t>8/11/2018</a:t>
             </a:fld>
             <a:endParaRPr lang="en-US" dirty="0"/>
           </a:p>
@@ -13761,7 +13959,7 @@
           <a:p>
             <a:fld id="{B3A53202-F90A-473F-9577-0694CB3DE811}" type="datetime1">
               <a:rPr lang="en-US" smtClean="0"/>
-              <a:t>8/1/2018</a:t>
+              <a:t>8/11/2018</a:t>
             </a:fld>
             <a:endParaRPr lang="en-US" dirty="0"/>
           </a:p>
@@ -13999,7 +14197,7 @@
           <a:p>
             <a:fld id="{13570084-B57A-493D-8A30-572F2D9F55F8}" type="datetime1">
               <a:rPr lang="en-US" smtClean="0"/>
-              <a:t>8/1/2018</a:t>
+              <a:t>8/11/2018</a:t>
             </a:fld>
             <a:endParaRPr lang="en-US" dirty="0"/>
           </a:p>
@@ -14746,7 +14944,7 @@
           <a:p>
             <a:fld id="{13570084-B57A-493D-8A30-572F2D9F55F8}" type="datetime1">
               <a:rPr lang="en-US" smtClean="0"/>
-              <a:t>8/1/2018</a:t>
+              <a:t>8/11/2018</a:t>
             </a:fld>
             <a:endParaRPr lang="en-US" dirty="0"/>
           </a:p>
@@ -15078,7 +15276,7 @@
   <a:extraClrSchemeLst/>
   <a:extLst>
     <a:ext uri="{05A4C25C-085E-4340-85A3-A5531E510DB2}">
-      <thm15:themeFamily xmlns:thm15="http://schemas.microsoft.com/office/thememl/2012/main" name="Lesson 12 - Data Analytics - GLMs" id="{2D671843-01B0-4809-83B7-DCD6022711AC}" vid="{631529AC-459A-4F8A-9050-54C0368E42C7}"/>
+      <thm15:themeFamily xmlns:thm15="http://schemas.microsoft.com/office/thememl/2012/main" name="Analytics_World" id="{0D0CA6F4-4249-491F-90A1-38D2E759BAFB}" vid="{73C02A8C-8EF0-4E7B-9EF2-CA7EFEB1E564}"/>
     </a:ext>
   </a:extLst>
 </a:theme>
